--- a/Documentation/Wiki Documents/4. PROJECT MANAGEMENT/Timeline/Timeline iterations edit.pptx
+++ b/Documentation/Wiki Documents/4. PROJECT MANAGEMENT/Timeline/Timeline iterations edit.pptx
@@ -255,7 +255,7 @@
           <a:p>
             <a:fld id="{E5913C49-45AE-4926-BFC9-EBF79FA12E5C}" type="datetimeFigureOut">
               <a:rPr lang="en-US" smtClean="0"/>
-              <a:t>10/31/2016</a:t>
+              <a:t>11/2/2016</a:t>
             </a:fld>
             <a:endParaRPr lang="en-US"/>
           </a:p>
@@ -425,7 +425,7 @@
           <a:p>
             <a:fld id="{E5913C49-45AE-4926-BFC9-EBF79FA12E5C}" type="datetimeFigureOut">
               <a:rPr lang="en-US" smtClean="0"/>
-              <a:t>10/31/2016</a:t>
+              <a:t>11/2/2016</a:t>
             </a:fld>
             <a:endParaRPr lang="en-US"/>
           </a:p>
@@ -605,7 +605,7 @@
           <a:p>
             <a:fld id="{E5913C49-45AE-4926-BFC9-EBF79FA12E5C}" type="datetimeFigureOut">
               <a:rPr lang="en-US" smtClean="0"/>
-              <a:t>10/31/2016</a:t>
+              <a:t>11/2/2016</a:t>
             </a:fld>
             <a:endParaRPr lang="en-US"/>
           </a:p>
@@ -775,7 +775,7 @@
           <a:p>
             <a:fld id="{E5913C49-45AE-4926-BFC9-EBF79FA12E5C}" type="datetimeFigureOut">
               <a:rPr lang="en-US" smtClean="0"/>
-              <a:t>10/31/2016</a:t>
+              <a:t>11/2/2016</a:t>
             </a:fld>
             <a:endParaRPr lang="en-US"/>
           </a:p>
@@ -1019,7 +1019,7 @@
           <a:p>
             <a:fld id="{E5913C49-45AE-4926-BFC9-EBF79FA12E5C}" type="datetimeFigureOut">
               <a:rPr lang="en-US" smtClean="0"/>
-              <a:t>10/31/2016</a:t>
+              <a:t>11/2/2016</a:t>
             </a:fld>
             <a:endParaRPr lang="en-US"/>
           </a:p>
@@ -1251,7 +1251,7 @@
           <a:p>
             <a:fld id="{E5913C49-45AE-4926-BFC9-EBF79FA12E5C}" type="datetimeFigureOut">
               <a:rPr lang="en-US" smtClean="0"/>
-              <a:t>10/31/2016</a:t>
+              <a:t>11/2/2016</a:t>
             </a:fld>
             <a:endParaRPr lang="en-US"/>
           </a:p>
@@ -1618,7 +1618,7 @@
           <a:p>
             <a:fld id="{E5913C49-45AE-4926-BFC9-EBF79FA12E5C}" type="datetimeFigureOut">
               <a:rPr lang="en-US" smtClean="0"/>
-              <a:t>10/31/2016</a:t>
+              <a:t>11/2/2016</a:t>
             </a:fld>
             <a:endParaRPr lang="en-US"/>
           </a:p>
@@ -1736,7 +1736,7 @@
           <a:p>
             <a:fld id="{E5913C49-45AE-4926-BFC9-EBF79FA12E5C}" type="datetimeFigureOut">
               <a:rPr lang="en-US" smtClean="0"/>
-              <a:t>10/31/2016</a:t>
+              <a:t>11/2/2016</a:t>
             </a:fld>
             <a:endParaRPr lang="en-US"/>
           </a:p>
@@ -1831,7 +1831,7 @@
           <a:p>
             <a:fld id="{E5913C49-45AE-4926-BFC9-EBF79FA12E5C}" type="datetimeFigureOut">
               <a:rPr lang="en-US" smtClean="0"/>
-              <a:t>10/31/2016</a:t>
+              <a:t>11/2/2016</a:t>
             </a:fld>
             <a:endParaRPr lang="en-US"/>
           </a:p>
@@ -2108,7 +2108,7 @@
           <a:p>
             <a:fld id="{E5913C49-45AE-4926-BFC9-EBF79FA12E5C}" type="datetimeFigureOut">
               <a:rPr lang="en-US" smtClean="0"/>
-              <a:t>10/31/2016</a:t>
+              <a:t>11/2/2016</a:t>
             </a:fld>
             <a:endParaRPr lang="en-US"/>
           </a:p>
@@ -2365,7 +2365,7 @@
           <a:p>
             <a:fld id="{E5913C49-45AE-4926-BFC9-EBF79FA12E5C}" type="datetimeFigureOut">
               <a:rPr lang="en-US" smtClean="0"/>
-              <a:t>10/31/2016</a:t>
+              <a:t>11/2/2016</a:t>
             </a:fld>
             <a:endParaRPr lang="en-US"/>
           </a:p>
@@ -2578,7 +2578,7 @@
           <a:p>
             <a:fld id="{E5913C49-45AE-4926-BFC9-EBF79FA12E5C}" type="datetimeFigureOut">
               <a:rPr lang="en-US" smtClean="0"/>
-              <a:t>10/31/2016</a:t>
+              <a:t>11/2/2016</a:t>
             </a:fld>
             <a:endParaRPr lang="en-US"/>
           </a:p>
@@ -3581,7 +3581,7 @@
             <a:p>
               <a:r>
                 <a:rPr lang="en-US" sz="1600" dirty="0"/>
-                <a:t>2 Nov</a:t>
+                <a:t>1 Nov</a:t>
               </a:r>
               <a:endParaRPr lang="en-US" dirty="0"/>
             </a:p>
@@ -9921,7 +9921,7 @@
           <p:nvPr>
             <p:extLst>
               <p:ext uri="{D42A27DB-BD31-4B8C-83A1-F6EECF244321}">
-                <p14:modId xmlns:p14="http://schemas.microsoft.com/office/powerpoint/2010/main" val="231118595"/>
+                <p14:modId xmlns:p14="http://schemas.microsoft.com/office/powerpoint/2010/main" val="2478837045"/>
               </p:ext>
             </p:extLst>
           </p:nvPr>
@@ -9957,7 +9957,7 @@
                             <a:schemeClr val="bg1"/>
                           </a:solidFill>
                         </a:rPr>
-                        <a:t>Sprint</a:t>
+                        <a:t>Iteration</a:t>
                       </a:r>
                       <a:r>
                         <a:rPr lang="en-US" sz="1200" baseline="0" dirty="0">
@@ -15233,7 +15233,7 @@
           <a:p>
             <a:r>
               <a:rPr lang="en-US" dirty="0"/>
-              <a:t>Updated 7 pm 31 October</a:t>
+              <a:t>Updated 2 pm 1 November</a:t>
             </a:r>
           </a:p>
         </p:txBody>

--- a/Documentation/Wiki Documents/4. PROJECT MANAGEMENT/Timeline/Timeline iterations edit.pptx
+++ b/Documentation/Wiki Documents/4. PROJECT MANAGEMENT/Timeline/Timeline iterations edit.pptx
@@ -255,7 +255,7 @@
           <a:p>
             <a:fld id="{E5913C49-45AE-4926-BFC9-EBF79FA12E5C}" type="datetimeFigureOut">
               <a:rPr lang="en-US" smtClean="0"/>
-              <a:t>11/2/2016</a:t>
+              <a:t>11/3/2016</a:t>
             </a:fld>
             <a:endParaRPr lang="en-US"/>
           </a:p>
@@ -425,7 +425,7 @@
           <a:p>
             <a:fld id="{E5913C49-45AE-4926-BFC9-EBF79FA12E5C}" type="datetimeFigureOut">
               <a:rPr lang="en-US" smtClean="0"/>
-              <a:t>11/2/2016</a:t>
+              <a:t>11/3/2016</a:t>
             </a:fld>
             <a:endParaRPr lang="en-US"/>
           </a:p>
@@ -605,7 +605,7 @@
           <a:p>
             <a:fld id="{E5913C49-45AE-4926-BFC9-EBF79FA12E5C}" type="datetimeFigureOut">
               <a:rPr lang="en-US" smtClean="0"/>
-              <a:t>11/2/2016</a:t>
+              <a:t>11/3/2016</a:t>
             </a:fld>
             <a:endParaRPr lang="en-US"/>
           </a:p>
@@ -775,7 +775,7 @@
           <a:p>
             <a:fld id="{E5913C49-45AE-4926-BFC9-EBF79FA12E5C}" type="datetimeFigureOut">
               <a:rPr lang="en-US" smtClean="0"/>
-              <a:t>11/2/2016</a:t>
+              <a:t>11/3/2016</a:t>
             </a:fld>
             <a:endParaRPr lang="en-US"/>
           </a:p>
@@ -1019,7 +1019,7 @@
           <a:p>
             <a:fld id="{E5913C49-45AE-4926-BFC9-EBF79FA12E5C}" type="datetimeFigureOut">
               <a:rPr lang="en-US" smtClean="0"/>
-              <a:t>11/2/2016</a:t>
+              <a:t>11/3/2016</a:t>
             </a:fld>
             <a:endParaRPr lang="en-US"/>
           </a:p>
@@ -1251,7 +1251,7 @@
           <a:p>
             <a:fld id="{E5913C49-45AE-4926-BFC9-EBF79FA12E5C}" type="datetimeFigureOut">
               <a:rPr lang="en-US" smtClean="0"/>
-              <a:t>11/2/2016</a:t>
+              <a:t>11/3/2016</a:t>
             </a:fld>
             <a:endParaRPr lang="en-US"/>
           </a:p>
@@ -1618,7 +1618,7 @@
           <a:p>
             <a:fld id="{E5913C49-45AE-4926-BFC9-EBF79FA12E5C}" type="datetimeFigureOut">
               <a:rPr lang="en-US" smtClean="0"/>
-              <a:t>11/2/2016</a:t>
+              <a:t>11/3/2016</a:t>
             </a:fld>
             <a:endParaRPr lang="en-US"/>
           </a:p>
@@ -1736,7 +1736,7 @@
           <a:p>
             <a:fld id="{E5913C49-45AE-4926-BFC9-EBF79FA12E5C}" type="datetimeFigureOut">
               <a:rPr lang="en-US" smtClean="0"/>
-              <a:t>11/2/2016</a:t>
+              <a:t>11/3/2016</a:t>
             </a:fld>
             <a:endParaRPr lang="en-US"/>
           </a:p>
@@ -1831,7 +1831,7 @@
           <a:p>
             <a:fld id="{E5913C49-45AE-4926-BFC9-EBF79FA12E5C}" type="datetimeFigureOut">
               <a:rPr lang="en-US" smtClean="0"/>
-              <a:t>11/2/2016</a:t>
+              <a:t>11/3/2016</a:t>
             </a:fld>
             <a:endParaRPr lang="en-US"/>
           </a:p>
@@ -2108,7 +2108,7 @@
           <a:p>
             <a:fld id="{E5913C49-45AE-4926-BFC9-EBF79FA12E5C}" type="datetimeFigureOut">
               <a:rPr lang="en-US" smtClean="0"/>
-              <a:t>11/2/2016</a:t>
+              <a:t>11/3/2016</a:t>
             </a:fld>
             <a:endParaRPr lang="en-US"/>
           </a:p>
@@ -2365,7 +2365,7 @@
           <a:p>
             <a:fld id="{E5913C49-45AE-4926-BFC9-EBF79FA12E5C}" type="datetimeFigureOut">
               <a:rPr lang="en-US" smtClean="0"/>
-              <a:t>11/2/2016</a:t>
+              <a:t>11/3/2016</a:t>
             </a:fld>
             <a:endParaRPr lang="en-US"/>
           </a:p>
@@ -2578,7 +2578,7 @@
           <a:p>
             <a:fld id="{E5913C49-45AE-4926-BFC9-EBF79FA12E5C}" type="datetimeFigureOut">
               <a:rPr lang="en-US" smtClean="0"/>
-              <a:t>11/2/2016</a:t>
+              <a:t>11/3/2016</a:t>
             </a:fld>
             <a:endParaRPr lang="en-US"/>
           </a:p>
@@ -12307,13 +12307,13 @@
           <p:nvPr>
             <p:extLst>
               <p:ext uri="{D42A27DB-BD31-4B8C-83A1-F6EECF244321}">
-                <p14:modId xmlns:p14="http://schemas.microsoft.com/office/powerpoint/2010/main" val="2394482449"/>
+                <p14:modId xmlns:p14="http://schemas.microsoft.com/office/powerpoint/2010/main" val="2982534097"/>
               </p:ext>
             </p:extLst>
           </p:nvPr>
         </p:nvGraphicFramePr>
         <p:xfrm>
-          <a:off x="3132688" y="5128405"/>
+          <a:off x="3084136" y="5128405"/>
           <a:ext cx="1148361" cy="573362"/>
         </p:xfrm>
         <a:graphic>
@@ -13453,14 +13453,14 @@
           <p:nvPr>
             <p:extLst>
               <p:ext uri="{D42A27DB-BD31-4B8C-83A1-F6EECF244321}">
-                <p14:modId xmlns:p14="http://schemas.microsoft.com/office/powerpoint/2010/main" val="3571816905"/>
+                <p14:modId xmlns:p14="http://schemas.microsoft.com/office/powerpoint/2010/main" val="2237234741"/>
               </p:ext>
             </p:extLst>
           </p:nvPr>
         </p:nvGraphicFramePr>
         <p:xfrm>
           <a:off x="797931" y="5128405"/>
-          <a:ext cx="2139929" cy="2997929"/>
+          <a:ext cx="2139929" cy="3150329"/>
         </p:xfrm>
         <a:graphic>
           <a:graphicData uri="http://schemas.openxmlformats.org/drawingml/2006/table">
@@ -13756,6 +13756,36 @@
                           <a:cs typeface="+mn-cs"/>
                         </a:rPr>
                         <a:t>Cradle to grave timeline</a:t>
+                      </a:r>
+                    </a:p>
+                    <a:p>
+                      <a:pPr marL="171450" indent="-171450" rtl="0">
+                        <a:buFont typeface="Arial" panose="020B0604020202020204" pitchFamily="34" charset="0"/>
+                        <a:buChar char="•"/>
+                      </a:pPr>
+                      <a:r>
+                        <a:rPr lang="en-US" sz="1000" b="0" i="0" u="none" strike="noStrike" kern="1200" dirty="0">
+                          <a:solidFill>
+                            <a:schemeClr val="dk1"/>
+                          </a:solidFill>
+                          <a:effectLst/>
+                          <a:latin typeface="+mn-lt"/>
+                          <a:ea typeface="+mn-ea"/>
+                          <a:cs typeface="+mn-cs"/>
+                        </a:rPr>
+                        <a:t>Add/ Edit/</a:t>
+                      </a:r>
+                      <a:r>
+                        <a:rPr lang="en-US" sz="1000" b="0" i="0" u="none" strike="noStrike" kern="1200" baseline="0" dirty="0">
+                          <a:solidFill>
+                            <a:schemeClr val="dk1"/>
+                          </a:solidFill>
+                          <a:effectLst/>
+                          <a:latin typeface="+mn-lt"/>
+                          <a:ea typeface="+mn-ea"/>
+                          <a:cs typeface="+mn-cs"/>
+                        </a:rPr>
+                        <a:t> Delete Screenings</a:t>
                       </a:r>
                       <a:endParaRPr lang="en-US" sz="1000" dirty="0">
                         <a:effectLst/>
@@ -14719,14 +14749,14 @@
           <p:nvPr>
             <p:extLst>
               <p:ext uri="{D42A27DB-BD31-4B8C-83A1-F6EECF244321}">
-                <p14:modId xmlns:p14="http://schemas.microsoft.com/office/powerpoint/2010/main" val="3634701794"/>
+                <p14:modId xmlns:p14="http://schemas.microsoft.com/office/powerpoint/2010/main" val="156160440"/>
               </p:ext>
             </p:extLst>
           </p:nvPr>
         </p:nvGraphicFramePr>
         <p:xfrm>
-          <a:off x="4441267" y="5075795"/>
-          <a:ext cx="1657123" cy="1207664"/>
+          <a:off x="4393477" y="5125376"/>
+          <a:ext cx="1730972" cy="2006000"/>
         </p:xfrm>
         <a:graphic>
           <a:graphicData uri="http://schemas.openxmlformats.org/drawingml/2006/table">
@@ -14735,7 +14765,7 @@
                 <a:tableStyleId>{8EC20E35-A176-4012-BC5E-935CFFF8708E}</a:tableStyleId>
               </a:tblPr>
               <a:tblGrid>
-                <a:gridCol w="1657123">
+                <a:gridCol w="1730972">
                   <a:extLst>
                     <a:ext uri="{9D8B030D-6E8A-4147-A177-3AD203B41FA5}">
                       <a16:colId xmlns:a16="http://schemas.microsoft.com/office/drawing/2014/main" val="20000"/>
@@ -14743,7 +14773,7 @@
                   </a:extLst>
                 </a:gridCol>
               </a:tblGrid>
-              <a:tr h="297600">
+              <a:tr h="271396">
                 <a:tc>
                   <a:txBody>
                     <a:bodyPr/>
@@ -14837,7 +14867,7 @@
                   </a:ext>
                 </a:extLst>
               </a:tr>
-              <a:tr h="361424">
+              <a:tr h="528443">
                 <a:tc>
                   <a:txBody>
                     <a:bodyPr/>
@@ -14951,7 +14981,211 @@
                   </a:ext>
                 </a:extLst>
               </a:tr>
-              <a:tr h="361424">
+              <a:tr h="822022">
+                <a:tc>
+                  <a:txBody>
+                    <a:bodyPr/>
+                    <a:lstStyle/>
+                    <a:p>
+                      <a:pPr marL="0" indent="0" rtl="0">
+                        <a:buFont typeface="Arial" panose="020B0604020202020204" pitchFamily="34" charset="0"/>
+                        <a:buNone/>
+                      </a:pPr>
+                      <a:r>
+                        <a:rPr lang="en-US" sz="1000" b="0" i="0" u="sng" strike="noStrike" kern="1200" dirty="0">
+                          <a:solidFill>
+                            <a:schemeClr val="dk1"/>
+                          </a:solidFill>
+                          <a:effectLst/>
+                          <a:latin typeface="+mn-lt"/>
+                          <a:ea typeface="+mn-ea"/>
+                          <a:cs typeface="+mn-cs"/>
+                        </a:rPr>
+                        <a:t>Case</a:t>
+                      </a:r>
+                    </a:p>
+                    <a:p>
+                      <a:pPr marL="171450" indent="-171450" rtl="0">
+                        <a:buFont typeface="Arial" panose="020B0604020202020204" pitchFamily="34" charset="0"/>
+                        <a:buChar char="•"/>
+                      </a:pPr>
+                      <a:r>
+                        <a:rPr lang="en-US" sz="1000" b="0" i="0" u="none" strike="noStrike" kern="1200" dirty="0">
+                          <a:solidFill>
+                            <a:schemeClr val="dk1"/>
+                          </a:solidFill>
+                          <a:effectLst/>
+                          <a:latin typeface="+mn-lt"/>
+                          <a:ea typeface="+mn-ea"/>
+                          <a:cs typeface="+mn-cs"/>
+                        </a:rPr>
+                        <a:t>CRUD Consultation</a:t>
+                      </a:r>
+                    </a:p>
+                    <a:p>
+                      <a:pPr marL="171450" indent="-171450" rtl="0">
+                        <a:buFont typeface="Arial" panose="020B0604020202020204" pitchFamily="34" charset="0"/>
+                        <a:buChar char="•"/>
+                      </a:pPr>
+                      <a:r>
+                        <a:rPr lang="en-US" sz="1000" b="0" i="0" u="none" strike="noStrike" kern="1200" dirty="0">
+                          <a:solidFill>
+                            <a:schemeClr val="dk1"/>
+                          </a:solidFill>
+                          <a:effectLst/>
+                          <a:latin typeface="+mn-lt"/>
+                          <a:ea typeface="+mn-ea"/>
+                          <a:cs typeface="+mn-cs"/>
+                        </a:rPr>
+                        <a:t>CRUD</a:t>
+                      </a:r>
+                      <a:r>
+                        <a:rPr lang="en-US" sz="1000" b="0" i="0" u="none" strike="noStrike" kern="1200" baseline="0" dirty="0">
+                          <a:solidFill>
+                            <a:schemeClr val="dk1"/>
+                          </a:solidFill>
+                          <a:effectLst/>
+                          <a:latin typeface="+mn-lt"/>
+                          <a:ea typeface="+mn-ea"/>
+                          <a:cs typeface="+mn-cs"/>
+                        </a:rPr>
+                        <a:t> </a:t>
+                      </a:r>
+                      <a:r>
+                        <a:rPr lang="en-US" sz="1000" b="0" i="0" u="none" strike="noStrike" kern="1200" dirty="0">
+                          <a:solidFill>
+                            <a:schemeClr val="dk1"/>
+                          </a:solidFill>
+                          <a:effectLst/>
+                          <a:latin typeface="+mn-lt"/>
+                          <a:ea typeface="+mn-ea"/>
+                          <a:cs typeface="+mn-cs"/>
+                        </a:rPr>
+                        <a:t>Medical</a:t>
+                      </a:r>
+                      <a:r>
+                        <a:rPr lang="en-US" sz="1000" b="0" i="0" u="none" strike="noStrike" kern="1200" baseline="0" dirty="0">
+                          <a:solidFill>
+                            <a:schemeClr val="dk1"/>
+                          </a:solidFill>
+                          <a:effectLst/>
+                          <a:latin typeface="+mn-lt"/>
+                          <a:ea typeface="+mn-ea"/>
+                          <a:cs typeface="+mn-cs"/>
+                        </a:rPr>
+                        <a:t> </a:t>
+                      </a:r>
+                      <a:endParaRPr lang="en-US" sz="1000" b="0" i="0" u="none" strike="noStrike" kern="1200" dirty="0">
+                        <a:solidFill>
+                          <a:schemeClr val="dk1"/>
+                        </a:solidFill>
+                        <a:effectLst/>
+                        <a:latin typeface="+mn-lt"/>
+                        <a:ea typeface="+mn-ea"/>
+                        <a:cs typeface="+mn-cs"/>
+                      </a:endParaRPr>
+                    </a:p>
+                    <a:p>
+                      <a:pPr marL="171450" indent="-171450" rtl="0">
+                        <a:buFont typeface="Arial" panose="020B0604020202020204" pitchFamily="34" charset="0"/>
+                        <a:buChar char="•"/>
+                      </a:pPr>
+                      <a:r>
+                        <a:rPr lang="en-US" sz="1000" b="0" i="0" u="none" strike="noStrike" kern="1200" dirty="0">
+                          <a:solidFill>
+                            <a:schemeClr val="dk1"/>
+                          </a:solidFill>
+                          <a:effectLst/>
+                          <a:latin typeface="+mn-lt"/>
+                          <a:ea typeface="+mn-ea"/>
+                          <a:cs typeface="+mn-cs"/>
+                        </a:rPr>
+                        <a:t>CRUD</a:t>
+                      </a:r>
+                      <a:r>
+                        <a:rPr lang="en-US" sz="1000" b="0" i="0" u="none" strike="noStrike" kern="1200" baseline="0" dirty="0">
+                          <a:solidFill>
+                            <a:schemeClr val="dk1"/>
+                          </a:solidFill>
+                          <a:effectLst/>
+                          <a:latin typeface="+mn-lt"/>
+                          <a:ea typeface="+mn-ea"/>
+                          <a:cs typeface="+mn-cs"/>
+                        </a:rPr>
+                        <a:t> Admission</a:t>
+                      </a:r>
+                    </a:p>
+                    <a:p>
+                      <a:pPr marL="171450" indent="-171450" rtl="0">
+                        <a:buFont typeface="Arial" panose="020B0604020202020204" pitchFamily="34" charset="0"/>
+                        <a:buChar char="•"/>
+                      </a:pPr>
+                      <a:r>
+                        <a:rPr lang="en-US" sz="1000" b="0" i="0" u="none" strike="noStrike" kern="1200" baseline="0" dirty="0">
+                          <a:solidFill>
+                            <a:schemeClr val="dk1"/>
+                          </a:solidFill>
+                          <a:effectLst/>
+                          <a:latin typeface="+mn-lt"/>
+                          <a:ea typeface="+mn-ea"/>
+                          <a:cs typeface="+mn-cs"/>
+                        </a:rPr>
+                        <a:t>CRUD Letter Of Guarantee</a:t>
+                      </a:r>
+                    </a:p>
+                  </a:txBody>
+                  <a:tcPr>
+                    <a:lnL w="12700" cap="flat" cmpd="sng" algn="ctr">
+                      <a:solidFill>
+                        <a:schemeClr val="tx1"/>
+                      </a:solidFill>
+                      <a:prstDash val="solid"/>
+                      <a:round/>
+                      <a:headEnd type="none" w="med" len="med"/>
+                      <a:tailEnd type="none" w="med" len="med"/>
+                    </a:lnL>
+                    <a:lnR w="12700" cap="flat" cmpd="sng" algn="ctr">
+                      <a:solidFill>
+                        <a:schemeClr val="tx1"/>
+                      </a:solidFill>
+                      <a:prstDash val="solid"/>
+                      <a:round/>
+                      <a:headEnd type="none" w="med" len="med"/>
+                      <a:tailEnd type="none" w="med" len="med"/>
+                    </a:lnR>
+                    <a:lnT w="12700" cap="flat" cmpd="sng" algn="ctr">
+                      <a:solidFill>
+                        <a:schemeClr val="tx1"/>
+                      </a:solidFill>
+                      <a:prstDash val="solid"/>
+                      <a:round/>
+                      <a:headEnd type="none" w="med" len="med"/>
+                      <a:tailEnd type="none" w="med" len="med"/>
+                    </a:lnT>
+                    <a:lnB w="12700" cap="flat" cmpd="sng" algn="ctr">
+                      <a:solidFill>
+                        <a:schemeClr val="tx1"/>
+                      </a:solidFill>
+                      <a:prstDash val="solid"/>
+                      <a:round/>
+                      <a:headEnd type="none" w="med" len="med"/>
+                      <a:tailEnd type="none" w="med" len="med"/>
+                    </a:lnB>
+                    <a:solidFill>
+                      <a:schemeClr val="accent1">
+                        <a:lumMod val="40000"/>
+                        <a:lumOff val="60000"/>
+                      </a:schemeClr>
+                    </a:solidFill>
+                  </a:tcPr>
+                </a:tc>
+                <a:extLst>
+                  <a:ext uri="{0D108BD9-81ED-4DB2-BD59-A6C34878D82A}">
+                    <a16:rowId xmlns:a16="http://schemas.microsoft.com/office/drawing/2014/main" val="3672220951"/>
+                  </a:ext>
+                </a:extLst>
+              </a:tr>
+              <a:tr h="329600">
                 <a:tc>
                   <a:txBody>
                     <a:bodyPr/>
